--- a/presentation/ML dotNET.pptx
+++ b/presentation/ML dotNET.pptx
@@ -20,6 +20,7 @@
     <p:sldId id="268" r:id="rId14"/>
     <p:sldId id="269" r:id="rId15"/>
     <p:sldId id="270" r:id="rId16"/>
+    <p:sldId id="271" r:id="rId17"/>
   </p:sldIdLst>
   <p:sldSz cx="12192000" cy="6858000"/>
   <p:notesSz cx="6858000" cy="9144000"/>
@@ -28680,6 +28681,161 @@
 </p:sld>
 </file>
 
+<file path=ppt/slides/slide16.xml><?xml version="1.0" encoding="utf-8"?>
+<p:sld xmlns:a="http://schemas.openxmlformats.org/drawingml/2006/main" xmlns:r="http://schemas.openxmlformats.org/officeDocument/2006/relationships" xmlns:p="http://schemas.openxmlformats.org/presentationml/2006/main">
+  <p:cSld>
+    <p:spTree>
+      <p:nvGrpSpPr>
+        <p:cNvPr id="1" name=""/>
+        <p:cNvGrpSpPr/>
+        <p:nvPr/>
+      </p:nvGrpSpPr>
+      <p:grpSpPr>
+        <a:xfrm>
+          <a:off x="0" y="0"/>
+          <a:ext cx="0" cy="0"/>
+          <a:chOff x="0" y="0"/>
+          <a:chExt cx="0" cy="0"/>
+        </a:xfrm>
+      </p:grpSpPr>
+      <p:sp>
+        <p:nvSpPr>
+          <p:cNvPr id="2" name="Rectangle 1">
+            <a:extLst>
+              <a:ext uri="{FF2B5EF4-FFF2-40B4-BE49-F238E27FC236}">
+                <a16:creationId xmlns:a16="http://schemas.microsoft.com/office/drawing/2014/main" id="{039E3DF9-0E87-45E3-A177-B8CD78F727DE}"/>
+              </a:ext>
+            </a:extLst>
+          </p:cNvPr>
+          <p:cNvSpPr/>
+          <p:nvPr/>
+        </p:nvSpPr>
+        <p:spPr>
+          <a:xfrm>
+            <a:off x="3414209" y="2967335"/>
+            <a:ext cx="5363584" cy="1569660"/>
+          </a:xfrm>
+          <a:prstGeom prst="rect">
+            <a:avLst/>
+          </a:prstGeom>
+          <a:noFill/>
+        </p:spPr>
+        <p:txBody>
+          <a:bodyPr wrap="none" lIns="91440" tIns="45720" rIns="91440" bIns="45720">
+            <a:spAutoFit/>
+          </a:bodyPr>
+          <a:lstStyle/>
+          <a:p>
+            <a:pPr algn="ctr"/>
+            <a:r>
+              <a:rPr lang="en-US" sz="9600" b="1" cap="none" spc="0" dirty="0">
+                <a:ln w="12700">
+                  <a:solidFill>
+                    <a:schemeClr val="accent1"/>
+                  </a:solidFill>
+                  <a:prstDash val="solid"/>
+                </a:ln>
+                <a:pattFill prst="pct50">
+                  <a:fgClr>
+                    <a:schemeClr val="accent1"/>
+                  </a:fgClr>
+                  <a:bgClr>
+                    <a:schemeClr val="accent1">
+                      <a:lumMod val="20000"/>
+                      <a:lumOff val="80000"/>
+                    </a:schemeClr>
+                  </a:bgClr>
+                </a:pattFill>
+                <a:effectLst>
+                  <a:outerShdw dist="38100" dir="2640000" algn="bl" rotWithShape="0">
+                    <a:schemeClr val="accent1"/>
+                  </a:outerShdw>
+                </a:effectLst>
+              </a:rPr>
+              <a:t>Thank</a:t>
+            </a:r>
+            <a:r>
+              <a:rPr lang="en-US" sz="5400" b="1" cap="none" spc="0" dirty="0">
+                <a:ln w="12700">
+                  <a:solidFill>
+                    <a:schemeClr val="accent1"/>
+                  </a:solidFill>
+                  <a:prstDash val="solid"/>
+                </a:ln>
+                <a:pattFill prst="pct50">
+                  <a:fgClr>
+                    <a:schemeClr val="accent1"/>
+                  </a:fgClr>
+                  <a:bgClr>
+                    <a:schemeClr val="accent1">
+                      <a:lumMod val="20000"/>
+                      <a:lumOff val="80000"/>
+                    </a:schemeClr>
+                  </a:bgClr>
+                </a:pattFill>
+                <a:effectLst>
+                  <a:outerShdw dist="38100" dir="2640000" algn="bl" rotWithShape="0">
+                    <a:schemeClr val="accent1"/>
+                  </a:outerShdw>
+                </a:effectLst>
+              </a:rPr>
+              <a:t> </a:t>
+            </a:r>
+            <a:r>
+              <a:rPr lang="en-US" sz="9600" b="1" cap="none" spc="0" dirty="0">
+                <a:ln w="12700">
+                  <a:solidFill>
+                    <a:schemeClr val="accent1"/>
+                  </a:solidFill>
+                  <a:prstDash val="solid"/>
+                </a:ln>
+                <a:pattFill prst="pct50">
+                  <a:fgClr>
+                    <a:schemeClr val="accent1"/>
+                  </a:fgClr>
+                  <a:bgClr>
+                    <a:schemeClr val="accent1">
+                      <a:lumMod val="20000"/>
+                      <a:lumOff val="80000"/>
+                    </a:schemeClr>
+                  </a:bgClr>
+                </a:pattFill>
+                <a:effectLst>
+                  <a:outerShdw dist="38100" dir="2640000" algn="bl" rotWithShape="0">
+                    <a:schemeClr val="accent1"/>
+                  </a:outerShdw>
+                </a:effectLst>
+              </a:rPr>
+              <a:t>you</a:t>
+            </a:r>
+          </a:p>
+        </p:txBody>
+      </p:sp>
+    </p:spTree>
+    <p:extLst>
+      <p:ext uri="{BB962C8B-B14F-4D97-AF65-F5344CB8AC3E}">
+        <p14:creationId xmlns:p14="http://schemas.microsoft.com/office/powerpoint/2010/main" val="2076676246"/>
+      </p:ext>
+    </p:extLst>
+  </p:cSld>
+  <p:clrMapOvr>
+    <a:masterClrMapping/>
+  </p:clrMapOvr>
+  <mc:AlternateContent xmlns:mc="http://schemas.openxmlformats.org/markup-compatibility/2006" xmlns:p14="http://schemas.microsoft.com/office/powerpoint/2010/main">
+    <mc:Choice Requires="p14">
+      <p:transition spd="med" p14:dur="700">
+        <p:fade/>
+      </p:transition>
+    </mc:Choice>
+    <mc:Fallback xmlns="">
+      <p:transition spd="med">
+        <p:fade/>
+      </p:transition>
+    </mc:Fallback>
+  </mc:AlternateContent>
+</p:sld>
+</file>
+
 <file path=ppt/slides/slide2.xml><?xml version="1.0" encoding="utf-8"?>
 <p:sld xmlns:a="http://schemas.openxmlformats.org/drawingml/2006/main" xmlns:r="http://schemas.openxmlformats.org/officeDocument/2006/relationships" xmlns:p="http://schemas.openxmlformats.org/presentationml/2006/main">
   <p:cSld>

--- a/presentation/ML dotNET.pptx
+++ b/presentation/ML dotNET.pptx
@@ -20,7 +20,9 @@
     <p:sldId id="268" r:id="rId14"/>
     <p:sldId id="269" r:id="rId15"/>
     <p:sldId id="270" r:id="rId16"/>
-    <p:sldId id="271" r:id="rId17"/>
+    <p:sldId id="272" r:id="rId17"/>
+    <p:sldId id="273" r:id="rId18"/>
+    <p:sldId id="271" r:id="rId19"/>
   </p:sldIdLst>
   <p:sldSz cx="12192000" cy="6858000"/>
   <p:notesSz cx="6858000" cy="9144000"/>
@@ -24522,7 +24524,7 @@
           <a:p>
             <a:fld id="{DCFE96B2-9D00-4B3E-9638-89E5BDFD6773}" type="datetimeFigureOut">
               <a:rPr lang="en-US" smtClean="0"/>
-              <a:t>10/26/2019</a:t>
+              <a:t>10/27/2019</a:t>
             </a:fld>
             <a:endParaRPr lang="en-US"/>
           </a:p>
@@ -24732,7 +24734,7 @@
           <a:p>
             <a:fld id="{DCFE96B2-9D00-4B3E-9638-89E5BDFD6773}" type="datetimeFigureOut">
               <a:rPr lang="en-US" smtClean="0"/>
-              <a:t>10/26/2019</a:t>
+              <a:t>10/27/2019</a:t>
             </a:fld>
             <a:endParaRPr lang="en-US"/>
           </a:p>
@@ -24952,7 +24954,7 @@
           <a:p>
             <a:fld id="{DCFE96B2-9D00-4B3E-9638-89E5BDFD6773}" type="datetimeFigureOut">
               <a:rPr lang="en-US" smtClean="0"/>
-              <a:t>10/26/2019</a:t>
+              <a:t>10/27/2019</a:t>
             </a:fld>
             <a:endParaRPr lang="en-US"/>
           </a:p>
@@ -25162,7 +25164,7 @@
           <a:p>
             <a:fld id="{DCFE96B2-9D00-4B3E-9638-89E5BDFD6773}" type="datetimeFigureOut">
               <a:rPr lang="en-US" smtClean="0"/>
-              <a:t>10/26/2019</a:t>
+              <a:t>10/27/2019</a:t>
             </a:fld>
             <a:endParaRPr lang="en-US"/>
           </a:p>
@@ -25449,7 +25451,7 @@
           <a:p>
             <a:fld id="{DCFE96B2-9D00-4B3E-9638-89E5BDFD6773}" type="datetimeFigureOut">
               <a:rPr lang="en-US" smtClean="0"/>
-              <a:t>10/26/2019</a:t>
+              <a:t>10/27/2019</a:t>
             </a:fld>
             <a:endParaRPr lang="en-US"/>
           </a:p>
@@ -25726,7 +25728,7 @@
           <a:p>
             <a:fld id="{DCFE96B2-9D00-4B3E-9638-89E5BDFD6773}" type="datetimeFigureOut">
               <a:rPr lang="en-US" smtClean="0"/>
-              <a:t>10/26/2019</a:t>
+              <a:t>10/27/2019</a:t>
             </a:fld>
             <a:endParaRPr lang="en-US"/>
           </a:p>
@@ -26150,7 +26152,7 @@
           <a:p>
             <a:fld id="{DCFE96B2-9D00-4B3E-9638-89E5BDFD6773}" type="datetimeFigureOut">
               <a:rPr lang="en-US" smtClean="0"/>
-              <a:t>10/26/2019</a:t>
+              <a:t>10/27/2019</a:t>
             </a:fld>
             <a:endParaRPr lang="en-US"/>
           </a:p>
@@ -26303,7 +26305,7 @@
           <a:p>
             <a:fld id="{DCFE96B2-9D00-4B3E-9638-89E5BDFD6773}" type="datetimeFigureOut">
               <a:rPr lang="en-US" smtClean="0"/>
-              <a:t>10/26/2019</a:t>
+              <a:t>10/27/2019</a:t>
             </a:fld>
             <a:endParaRPr lang="en-US"/>
           </a:p>
@@ -26428,7 +26430,7 @@
           <a:p>
             <a:fld id="{DCFE96B2-9D00-4B3E-9638-89E5BDFD6773}" type="datetimeFigureOut">
               <a:rPr lang="en-US" smtClean="0"/>
-              <a:t>10/26/2019</a:t>
+              <a:t>10/27/2019</a:t>
             </a:fld>
             <a:endParaRPr lang="en-US"/>
           </a:p>
@@ -26751,7 +26753,7 @@
           <a:p>
             <a:fld id="{DCFE96B2-9D00-4B3E-9638-89E5BDFD6773}" type="datetimeFigureOut">
               <a:rPr lang="en-US" smtClean="0"/>
-              <a:t>10/26/2019</a:t>
+              <a:t>10/27/2019</a:t>
             </a:fld>
             <a:endParaRPr lang="en-US"/>
           </a:p>
@@ -27051,7 +27053,7 @@
           <a:p>
             <a:fld id="{DCFE96B2-9D00-4B3E-9638-89E5BDFD6773}" type="datetimeFigureOut">
               <a:rPr lang="en-US" smtClean="0"/>
-              <a:t>10/26/2019</a:t>
+              <a:t>10/27/2019</a:t>
             </a:fld>
             <a:endParaRPr lang="en-US"/>
           </a:p>
@@ -27304,7 +27306,7 @@
           <a:p>
             <a:fld id="{DCFE96B2-9D00-4B3E-9638-89E5BDFD6773}" type="datetimeFigureOut">
               <a:rPr lang="en-US" smtClean="0"/>
-              <a:t>10/26/2019</a:t>
+              <a:t>10/27/2019</a:t>
             </a:fld>
             <a:endParaRPr lang="en-US"/>
           </a:p>
@@ -28682,6 +28684,379 @@
 </file>
 
 <file path=ppt/slides/slide16.xml><?xml version="1.0" encoding="utf-8"?>
+<p:sld xmlns:a="http://schemas.openxmlformats.org/drawingml/2006/main" xmlns:r="http://schemas.openxmlformats.org/officeDocument/2006/relationships" xmlns:p="http://schemas.openxmlformats.org/presentationml/2006/main">
+  <p:cSld>
+    <p:spTree>
+      <p:nvGrpSpPr>
+        <p:cNvPr id="1" name=""/>
+        <p:cNvGrpSpPr/>
+        <p:nvPr/>
+      </p:nvGrpSpPr>
+      <p:grpSpPr>
+        <a:xfrm>
+          <a:off x="0" y="0"/>
+          <a:ext cx="0" cy="0"/>
+          <a:chOff x="0" y="0"/>
+          <a:chExt cx="0" cy="0"/>
+        </a:xfrm>
+      </p:grpSpPr>
+      <p:sp>
+        <p:nvSpPr>
+          <p:cNvPr id="2" name="Title 1">
+            <a:extLst>
+              <a:ext uri="{FF2B5EF4-FFF2-40B4-BE49-F238E27FC236}">
+                <a16:creationId xmlns:a16="http://schemas.microsoft.com/office/drawing/2014/main" id="{379C2B0E-F820-49C4-8F3C-08DFED219401}"/>
+              </a:ext>
+            </a:extLst>
+          </p:cNvPr>
+          <p:cNvSpPr>
+            <a:spLocks noGrp="1"/>
+          </p:cNvSpPr>
+          <p:nvPr>
+            <p:ph type="title"/>
+          </p:nvPr>
+        </p:nvSpPr>
+        <p:spPr/>
+        <p:txBody>
+          <a:bodyPr>
+            <a:normAutofit/>
+          </a:bodyPr>
+          <a:lstStyle/>
+          <a:p>
+            <a:r>
+              <a:rPr lang="en-US" sz="6000" b="1" dirty="0">
+                <a:effectLst>
+                  <a:outerShdw blurRad="38100" dist="38100" dir="2700000" algn="tl">
+                    <a:srgbClr val="000000">
+                      <a:alpha val="43137"/>
+                    </a:srgbClr>
+                  </a:outerShdw>
+                </a:effectLst>
+              </a:rPr>
+              <a:t>Official Instructions and tutorials</a:t>
+            </a:r>
+          </a:p>
+        </p:txBody>
+      </p:sp>
+      <p:sp>
+        <p:nvSpPr>
+          <p:cNvPr id="3" name="Content Placeholder 2">
+            <a:extLst>
+              <a:ext uri="{FF2B5EF4-FFF2-40B4-BE49-F238E27FC236}">
+                <a16:creationId xmlns:a16="http://schemas.microsoft.com/office/drawing/2014/main" id="{A9382497-16F6-4D8C-9C76-2B2497B2C426}"/>
+              </a:ext>
+            </a:extLst>
+          </p:cNvPr>
+          <p:cNvSpPr>
+            <a:spLocks noGrp="1"/>
+          </p:cNvSpPr>
+          <p:nvPr>
+            <p:ph idx="1"/>
+          </p:nvPr>
+        </p:nvSpPr>
+        <p:spPr/>
+        <p:txBody>
+          <a:bodyPr>
+            <a:normAutofit/>
+          </a:bodyPr>
+          <a:lstStyle/>
+          <a:p>
+            <a:r>
+              <a:rPr lang="en-US" sz="1600" dirty="0"/>
+              <a:t>ML.Net : </a:t>
+            </a:r>
+            <a:r>
+              <a:rPr lang="en-US" sz="1600" dirty="0">
+                <a:hlinkClick r:id="rId2"/>
+              </a:rPr>
+              <a:t>https://dotnet.microsoft.com/apps/machinelearning-ai/ml-dotnet#leverage-dotnet</a:t>
+            </a:r>
+            <a:endParaRPr lang="en-US" sz="1600" dirty="0"/>
+          </a:p>
+          <a:p>
+            <a:r>
+              <a:rPr lang="en-US" sz="1600" dirty="0"/>
+              <a:t>AutoML/ ML.Net Model Builder: </a:t>
+            </a:r>
+            <a:r>
+              <a:rPr lang="en-US" sz="1600" dirty="0">
+                <a:hlinkClick r:id="rId3"/>
+              </a:rPr>
+              <a:t>https://dotnet.microsoft.com/apps/machinelearning-ai/ml-dotnet/model-builder</a:t>
+            </a:r>
+            <a:endParaRPr lang="en-US" sz="1600" dirty="0"/>
+          </a:p>
+          <a:p>
+            <a:r>
+              <a:rPr lang="en-US" sz="1600" dirty="0"/>
+              <a:t>ML.Net CLI: </a:t>
+            </a:r>
+            <a:r>
+              <a:rPr lang="en-US" sz="1600" dirty="0">
+                <a:hlinkClick r:id="rId4"/>
+              </a:rPr>
+              <a:t>https://docs.microsoft.com/en-us/dotnet/machine-learning/how-to-guides/install-ml-net-cli</a:t>
+            </a:r>
+            <a:endParaRPr lang="en-US" sz="1600" dirty="0"/>
+          </a:p>
+          <a:p>
+            <a:r>
+              <a:rPr lang="en-US" sz="1600" dirty="0"/>
+              <a:t>ML.Net Samples: </a:t>
+            </a:r>
+            <a:r>
+              <a:rPr lang="en-US" sz="1600" dirty="0">
+                <a:hlinkClick r:id="rId5"/>
+              </a:rPr>
+              <a:t>https://github.com/dotnet/machinelearning-samples</a:t>
+            </a:r>
+            <a:endParaRPr lang="en-US" sz="1600" dirty="0"/>
+          </a:p>
+          <a:p>
+            <a:r>
+              <a:rPr lang="en-US" sz="1600" dirty="0"/>
+              <a:t>Video: </a:t>
+            </a:r>
+            <a:r>
+              <a:rPr lang="en-US" sz="1600" dirty="0">
+                <a:hlinkClick r:id="rId6"/>
+              </a:rPr>
+              <a:t>https://www.youtube.com/playlist?list=PL1rZQsJPBU2TwElfOzqOsUW1yuxKNA091</a:t>
+            </a:r>
+            <a:endParaRPr lang="en-US" sz="1600" dirty="0"/>
+          </a:p>
+          <a:p>
+            <a:r>
+              <a:rPr lang="en-US" sz="1600" dirty="0"/>
+              <a:t>About ML.Net 1.4 preview: </a:t>
+            </a:r>
+            <a:r>
+              <a:rPr lang="en-US" sz="1600" dirty="0">
+                <a:hlinkClick r:id="rId7"/>
+              </a:rPr>
+              <a:t>https://devblogs.microsoft.com/dotnet/announcing-ml-net-1-4-preview-and-model-builder-updates-machine-learning-for-net/</a:t>
+            </a:r>
+            <a:endParaRPr lang="en-US" sz="1600" dirty="0"/>
+          </a:p>
+          <a:p>
+            <a:r>
+              <a:rPr lang="en-US" sz="1600" dirty="0"/>
+              <a:t>Note: If you face error to install ML.Net extension even in your VS2019, then make sure you’re using latest version or try after uninstall and install again</a:t>
+            </a:r>
+          </a:p>
+        </p:txBody>
+      </p:sp>
+    </p:spTree>
+    <p:extLst>
+      <p:ext uri="{BB962C8B-B14F-4D97-AF65-F5344CB8AC3E}">
+        <p14:creationId xmlns:p14="http://schemas.microsoft.com/office/powerpoint/2010/main" val="1860083099"/>
+      </p:ext>
+    </p:extLst>
+  </p:cSld>
+  <p:clrMapOvr>
+    <a:masterClrMapping/>
+  </p:clrMapOvr>
+  <mc:AlternateContent xmlns:mc="http://schemas.openxmlformats.org/markup-compatibility/2006" xmlns:p14="http://schemas.microsoft.com/office/powerpoint/2010/main">
+    <mc:Choice Requires="p14">
+      <p:transition spd="med" p14:dur="700">
+        <p:fade/>
+      </p:transition>
+    </mc:Choice>
+    <mc:Fallback xmlns="">
+      <p:transition spd="med">
+        <p:fade/>
+      </p:transition>
+    </mc:Fallback>
+  </mc:AlternateContent>
+</p:sld>
+</file>
+
+<file path=ppt/slides/slide17.xml><?xml version="1.0" encoding="utf-8"?>
+<p:sld xmlns:a="http://schemas.openxmlformats.org/drawingml/2006/main" xmlns:r="http://schemas.openxmlformats.org/officeDocument/2006/relationships" xmlns:p="http://schemas.openxmlformats.org/presentationml/2006/main">
+  <p:cSld>
+    <p:spTree>
+      <p:nvGrpSpPr>
+        <p:cNvPr id="1" name=""/>
+        <p:cNvGrpSpPr/>
+        <p:nvPr/>
+      </p:nvGrpSpPr>
+      <p:grpSpPr>
+        <a:xfrm>
+          <a:off x="0" y="0"/>
+          <a:ext cx="0" cy="0"/>
+          <a:chOff x="0" y="0"/>
+          <a:chExt cx="0" cy="0"/>
+        </a:xfrm>
+      </p:grpSpPr>
+      <p:sp>
+        <p:nvSpPr>
+          <p:cNvPr id="2" name="Title 1">
+            <a:extLst>
+              <a:ext uri="{FF2B5EF4-FFF2-40B4-BE49-F238E27FC236}">
+                <a16:creationId xmlns:a16="http://schemas.microsoft.com/office/drawing/2014/main" id="{91DEF1C8-1FB5-4CC5-822F-C8B915A183D5}"/>
+              </a:ext>
+            </a:extLst>
+          </p:cNvPr>
+          <p:cNvSpPr>
+            <a:spLocks noGrp="1"/>
+          </p:cNvSpPr>
+          <p:nvPr>
+            <p:ph type="title"/>
+          </p:nvPr>
+        </p:nvSpPr>
+        <p:spPr/>
+        <p:txBody>
+          <a:bodyPr>
+            <a:normAutofit/>
+          </a:bodyPr>
+          <a:lstStyle/>
+          <a:p>
+            <a:pPr algn="ctr"/>
+            <a:r>
+              <a:rPr lang="en-US" sz="6000" b="1" dirty="0">
+                <a:effectLst>
+                  <a:outerShdw blurRad="38100" dist="38100" dir="2700000" algn="tl">
+                    <a:srgbClr val="000000">
+                      <a:alpha val="43137"/>
+                    </a:srgbClr>
+                  </a:outerShdw>
+                </a:effectLst>
+              </a:rPr>
+              <a:t>Q/A session</a:t>
+            </a:r>
+          </a:p>
+        </p:txBody>
+      </p:sp>
+      <p:sp>
+        <p:nvSpPr>
+          <p:cNvPr id="3" name="Content Placeholder 2">
+            <a:extLst>
+              <a:ext uri="{FF2B5EF4-FFF2-40B4-BE49-F238E27FC236}">
+                <a16:creationId xmlns:a16="http://schemas.microsoft.com/office/drawing/2014/main" id="{A150B3A5-E1D9-4B70-B0FC-18D425A3EAAC}"/>
+              </a:ext>
+            </a:extLst>
+          </p:cNvPr>
+          <p:cNvSpPr>
+            <a:spLocks noGrp="1"/>
+          </p:cNvSpPr>
+          <p:nvPr>
+            <p:ph idx="1"/>
+          </p:nvPr>
+        </p:nvSpPr>
+        <p:spPr/>
+        <p:txBody>
+          <a:bodyPr>
+            <a:normAutofit/>
+          </a:bodyPr>
+          <a:lstStyle/>
+          <a:p>
+            <a:pPr marL="0" indent="0">
+              <a:buNone/>
+            </a:pPr>
+            <a:r>
+              <a:rPr lang="en-US" sz="1600" i="1" dirty="0"/>
+              <a:t>Q: What score or Accuracy value can be stated as satisfactory?</a:t>
+            </a:r>
+          </a:p>
+          <a:p>
+            <a:pPr marL="0" indent="0">
+              <a:buNone/>
+            </a:pPr>
+            <a:r>
+              <a:rPr lang="en-US" sz="1600" dirty="0"/>
+              <a:t>A: Theoretically if your model has 75%-85% of accuracy then it’s good. If it’s higher then the model is suspected as biased and if it’s lower then it may be it’s not the best model you can create. But In practical world Score or Accuracy value is a vague term in experts opinion. Why? Suppose you have trained your model with 1GB of data and it gives you 79% of accuracy. It should be a nice model, isn’t it? But can you assure there is no such set of test data you can have that will change your models accuracy dramatically? Can you assure that your training data has or your model has no biasness? In real world you cannot.</a:t>
+            </a:r>
+          </a:p>
+          <a:p>
+            <a:pPr marL="0" indent="0">
+              <a:buNone/>
+            </a:pPr>
+            <a:r>
+              <a:rPr lang="en-US" sz="1600" i="1" dirty="0"/>
+              <a:t>Q: Can I utilize my GPU to train the model faster in ML.Net?</a:t>
+            </a:r>
+          </a:p>
+          <a:p>
+            <a:pPr marL="0" indent="0">
+              <a:buNone/>
+            </a:pPr>
+            <a:r>
+              <a:rPr lang="en-US" sz="1600" dirty="0"/>
+              <a:t>A: There is no direct support of utilizing GPU in ML.Net. But in case of TensorFlow you can replace the default(CPU version) </a:t>
+            </a:r>
+            <a:r>
+              <a:rPr lang="en-US" sz="1600" dirty="0" err="1"/>
+              <a:t>dll</a:t>
+            </a:r>
+            <a:r>
+              <a:rPr lang="en-US" sz="1600" dirty="0"/>
+              <a:t> with the GPU version </a:t>
+            </a:r>
+            <a:r>
+              <a:rPr lang="en-US" sz="1600" dirty="0" err="1"/>
+              <a:t>dll</a:t>
+            </a:r>
+            <a:r>
+              <a:rPr lang="en-US" sz="1600" dirty="0"/>
+              <a:t> of TensorFlow.</a:t>
+            </a:r>
+          </a:p>
+          <a:p>
+            <a:pPr marL="0" indent="0">
+              <a:buNone/>
+            </a:pPr>
+            <a:r>
+              <a:rPr lang="en-US" sz="1600" i="1" dirty="0"/>
+              <a:t>Q: How much data AutoML can handle?</a:t>
+            </a:r>
+          </a:p>
+          <a:p>
+            <a:pPr marL="0" indent="0">
+              <a:buNone/>
+            </a:pPr>
+            <a:r>
+              <a:rPr lang="en-US" sz="1600" dirty="0"/>
+              <a:t>A: AutoML of ML.Net-v1.3 has max limit of Training data set is 1GB in case of File. In case you use SQL server for dataset it can handle 100 thousand row for training. Ref: </a:t>
+            </a:r>
+            <a:r>
+              <a:rPr lang="en-US" sz="1600" dirty="0">
+                <a:hlinkClick r:id="rId2"/>
+              </a:rPr>
+              <a:t>https://docs.microsoft.com/en-us/dotnet/machine-learning/how-to-guides/install-model-builder#limitations</a:t>
+            </a:r>
+            <a:r>
+              <a:rPr lang="en-US" sz="1600" dirty="0"/>
+              <a:t> </a:t>
+            </a:r>
+          </a:p>
+        </p:txBody>
+      </p:sp>
+    </p:spTree>
+    <p:extLst>
+      <p:ext uri="{BB962C8B-B14F-4D97-AF65-F5344CB8AC3E}">
+        <p14:creationId xmlns:p14="http://schemas.microsoft.com/office/powerpoint/2010/main" val="2804947784"/>
+      </p:ext>
+    </p:extLst>
+  </p:cSld>
+  <p:clrMapOvr>
+    <a:masterClrMapping/>
+  </p:clrMapOvr>
+  <mc:AlternateContent xmlns:mc="http://schemas.openxmlformats.org/markup-compatibility/2006" xmlns:p14="http://schemas.microsoft.com/office/powerpoint/2010/main">
+    <mc:Choice Requires="p14">
+      <p:transition spd="med" p14:dur="700">
+        <p:fade/>
+      </p:transition>
+    </mc:Choice>
+    <mc:Fallback xmlns="">
+      <p:transition spd="med">
+        <p:fade/>
+      </p:transition>
+    </mc:Fallback>
+  </mc:AlternateContent>
+</p:sld>
+</file>
+
+<file path=ppt/slides/slide18.xml><?xml version="1.0" encoding="utf-8"?>
 <p:sld xmlns:a="http://schemas.openxmlformats.org/drawingml/2006/main" xmlns:r="http://schemas.openxmlformats.org/officeDocument/2006/relationships" xmlns:p="http://schemas.openxmlformats.org/presentationml/2006/main">
   <p:cSld>
     <p:spTree>

--- a/presentation/ML dotNET.pptx
+++ b/presentation/ML dotNET.pptx
@@ -28839,9 +28839,35 @@
             <a:endParaRPr lang="en-US" sz="1600" dirty="0"/>
           </a:p>
           <a:p>
+            <a:pPr marL="0" indent="0">
+              <a:buNone/>
+            </a:pPr>
+            <a:endParaRPr lang="en-US" sz="1600" dirty="0"/>
+          </a:p>
+          <a:p>
+            <a:pPr marL="0" indent="0">
+              <a:buNone/>
+            </a:pPr>
             <a:r>
               <a:rPr lang="en-US" sz="1600" dirty="0"/>
-              <a:t>Note: If you face error to install ML.Net extension even in your VS2019, then make sure you’re using latest version or try after uninstall and install again</a:t>
+              <a:t>** Note: If you face error to install ML.Net extension even in your VS2019, then make sure you’re using latest version or try after uninstall and install again.</a:t>
+            </a:r>
+          </a:p>
+          <a:p>
+            <a:pPr marL="0" indent="0">
+              <a:buNone/>
+            </a:pPr>
+            <a:r>
+              <a:rPr lang="en-US" sz="1600" dirty="0"/>
+              <a:t>** If you are using VS2019, do </a:t>
+            </a:r>
+            <a:r>
+              <a:rPr lang="en-US" sz="1600"/>
+              <a:t>not “Place </a:t>
+            </a:r>
+            <a:r>
+              <a:rPr lang="en-US" sz="1600" dirty="0"/>
+              <a:t>solution and project in the same directory”</a:t>
             </a:r>
           </a:p>
         </p:txBody>
